--- a/Test/Schaltplan.pptx
+++ b/Test/Schaltplan.pptx
@@ -104,6 +104,11 @@
       </a:defRPr>
     </a:lvl9pPr>
   </p:defaultTextStyle>
+  <p:extLst>
+    <p:ext uri="{EFAFB233-063F-42B5-8137-9DF3F51BA10A}">
+      <p15:sldGuideLst xmlns:p15="http://schemas.microsoft.com/office/powerpoint/2012/main"/>
+    </p:ext>
+  </p:extLst>
 </p:presentation>
 </file>
 
@@ -4083,6 +4088,244 @@
           </a:p>
         </p:txBody>
       </p:sp>
+      <p:sp>
+        <p:nvSpPr>
+          <p:cNvPr id="2" name="Ellipse 1">
+            <a:extLst>
+              <a:ext uri="{FF2B5EF4-FFF2-40B4-BE49-F238E27FC236}">
+                <a16:creationId xmlns:a16="http://schemas.microsoft.com/office/drawing/2014/main" id="{86CB2207-7655-4261-B648-5632D898FCEB}"/>
+              </a:ext>
+            </a:extLst>
+          </p:cNvPr>
+          <p:cNvSpPr/>
+          <p:nvPr/>
+        </p:nvSpPr>
+        <p:spPr>
+          <a:xfrm>
+            <a:off x="5148425" y="2351117"/>
+            <a:ext cx="805344" cy="660633"/>
+          </a:xfrm>
+          <a:prstGeom prst="ellipse">
+            <a:avLst/>
+          </a:prstGeom>
+        </p:spPr>
+        <p:style>
+          <a:lnRef idx="2">
+            <a:schemeClr val="accent1">
+              <a:shade val="50000"/>
+            </a:schemeClr>
+          </a:lnRef>
+          <a:fillRef idx="1">
+            <a:schemeClr val="accent1"/>
+          </a:fillRef>
+          <a:effectRef idx="0">
+            <a:schemeClr val="accent1"/>
+          </a:effectRef>
+          <a:fontRef idx="minor">
+            <a:schemeClr val="lt1"/>
+          </a:fontRef>
+        </p:style>
+        <p:txBody>
+          <a:bodyPr rtlCol="0" anchor="ctr"/>
+          <a:lstStyle/>
+          <a:p>
+            <a:pPr algn="ctr"/>
+            <a:r>
+              <a:rPr lang="de-DE" sz="1000" dirty="0"/>
+              <a:t>Piepser</a:t>
+            </a:r>
+          </a:p>
+        </p:txBody>
+      </p:sp>
+      <p:cxnSp>
+        <p:nvCxnSpPr>
+          <p:cNvPr id="8" name="Gerader Verbinder 7">
+            <a:extLst>
+              <a:ext uri="{FF2B5EF4-FFF2-40B4-BE49-F238E27FC236}">
+                <a16:creationId xmlns:a16="http://schemas.microsoft.com/office/drawing/2014/main" id="{3433323D-EAAF-433E-B20D-5691FFD17A30}"/>
+              </a:ext>
+            </a:extLst>
+          </p:cNvPr>
+          <p:cNvCxnSpPr/>
+          <p:nvPr/>
+        </p:nvCxnSpPr>
+        <p:spPr>
+          <a:xfrm>
+            <a:off x="4087865" y="2566904"/>
+            <a:ext cx="1128068" cy="0"/>
+          </a:xfrm>
+          <a:prstGeom prst="line">
+            <a:avLst/>
+          </a:prstGeom>
+        </p:spPr>
+        <p:style>
+          <a:lnRef idx="1">
+            <a:schemeClr val="accent1"/>
+          </a:lnRef>
+          <a:fillRef idx="0">
+            <a:schemeClr val="accent1"/>
+          </a:fillRef>
+          <a:effectRef idx="0">
+            <a:schemeClr val="accent1"/>
+          </a:effectRef>
+          <a:fontRef idx="minor">
+            <a:schemeClr val="tx1"/>
+          </a:fontRef>
+        </p:style>
+      </p:cxnSp>
+      <p:cxnSp>
+        <p:nvCxnSpPr>
+          <p:cNvPr id="26" name="Gerader Verbinder 25">
+            <a:extLst>
+              <a:ext uri="{FF2B5EF4-FFF2-40B4-BE49-F238E27FC236}">
+                <a16:creationId xmlns:a16="http://schemas.microsoft.com/office/drawing/2014/main" id="{35EA6173-F846-480B-9F16-E8984F227BDC}"/>
+              </a:ext>
+            </a:extLst>
+          </p:cNvPr>
+          <p:cNvCxnSpPr/>
+          <p:nvPr/>
+        </p:nvCxnSpPr>
+        <p:spPr>
+          <a:xfrm>
+            <a:off x="4087865" y="2778027"/>
+            <a:ext cx="1128068" cy="0"/>
+          </a:xfrm>
+          <a:prstGeom prst="line">
+            <a:avLst/>
+          </a:prstGeom>
+        </p:spPr>
+        <p:style>
+          <a:lnRef idx="1">
+            <a:schemeClr val="accent1"/>
+          </a:lnRef>
+          <a:fillRef idx="0">
+            <a:schemeClr val="accent1"/>
+          </a:fillRef>
+          <a:effectRef idx="0">
+            <a:schemeClr val="accent1"/>
+          </a:effectRef>
+          <a:fontRef idx="minor">
+            <a:schemeClr val="tx1"/>
+          </a:fontRef>
+        </p:style>
+      </p:cxnSp>
+      <p:sp>
+        <p:nvSpPr>
+          <p:cNvPr id="27" name="Textfeld 26">
+            <a:extLst>
+              <a:ext uri="{FF2B5EF4-FFF2-40B4-BE49-F238E27FC236}">
+                <a16:creationId xmlns:a16="http://schemas.microsoft.com/office/drawing/2014/main" id="{FEA82F7A-2AE9-4250-82C5-C756EA86E000}"/>
+              </a:ext>
+            </a:extLst>
+          </p:cNvPr>
+          <p:cNvSpPr txBox="1"/>
+          <p:nvPr/>
+        </p:nvSpPr>
+        <p:spPr>
+          <a:xfrm>
+            <a:off x="4155259" y="2566904"/>
+            <a:ext cx="496640" cy="276999"/>
+          </a:xfrm>
+          <a:prstGeom prst="rect">
+            <a:avLst/>
+          </a:prstGeom>
+          <a:noFill/>
+        </p:spPr>
+        <p:txBody>
+          <a:bodyPr wrap="square" rtlCol="0">
+            <a:spAutoFit/>
+          </a:bodyPr>
+          <a:lstStyle/>
+          <a:p>
+            <a:r>
+              <a:rPr lang="de-DE" sz="1200" dirty="0"/>
+              <a:t>GND</a:t>
+            </a:r>
+          </a:p>
+        </p:txBody>
+      </p:sp>
+      <p:sp>
+        <p:nvSpPr>
+          <p:cNvPr id="28" name="Textfeld 27">
+            <a:extLst>
+              <a:ext uri="{FF2B5EF4-FFF2-40B4-BE49-F238E27FC236}">
+                <a16:creationId xmlns:a16="http://schemas.microsoft.com/office/drawing/2014/main" id="{86EF70ED-F9E5-46DD-8FCE-0CC5A494AF3F}"/>
+              </a:ext>
+            </a:extLst>
+          </p:cNvPr>
+          <p:cNvSpPr txBox="1"/>
+          <p:nvPr/>
+        </p:nvSpPr>
+        <p:spPr>
+          <a:xfrm>
+            <a:off x="4069338" y="2370919"/>
+            <a:ext cx="496640" cy="276999"/>
+          </a:xfrm>
+          <a:prstGeom prst="rect">
+            <a:avLst/>
+          </a:prstGeom>
+          <a:noFill/>
+        </p:spPr>
+        <p:txBody>
+          <a:bodyPr wrap="square" rtlCol="0">
+            <a:spAutoFit/>
+          </a:bodyPr>
+          <a:lstStyle/>
+          <a:p>
+            <a:r>
+              <a:rPr lang="de-DE" sz="1200" dirty="0"/>
+              <a:t>10</a:t>
+            </a:r>
+          </a:p>
+        </p:txBody>
+      </p:sp>
+      <p:sp>
+        <p:nvSpPr>
+          <p:cNvPr id="13" name="Textfeld 12">
+            <a:extLst>
+              <a:ext uri="{FF2B5EF4-FFF2-40B4-BE49-F238E27FC236}">
+                <a16:creationId xmlns:a16="http://schemas.microsoft.com/office/drawing/2014/main" id="{53D26566-E65E-43DF-A27E-DA0BA36F3812}"/>
+              </a:ext>
+            </a:extLst>
+          </p:cNvPr>
+          <p:cNvSpPr txBox="1"/>
+          <p:nvPr/>
+        </p:nvSpPr>
+        <p:spPr>
+          <a:xfrm>
+            <a:off x="5175237" y="3026901"/>
+            <a:ext cx="4150495" cy="600164"/>
+          </a:xfrm>
+          <a:prstGeom prst="rect">
+            <a:avLst/>
+          </a:prstGeom>
+          <a:noFill/>
+        </p:spPr>
+        <p:txBody>
+          <a:bodyPr wrap="none" rtlCol="0">
+            <a:spAutoFit/>
+          </a:bodyPr>
+          <a:lstStyle/>
+          <a:p>
+            <a:r>
+              <a:rPr lang="de-DE" sz="1100" dirty="0"/>
+              <a:t>Piepser erzeugt Dauerton</a:t>
+            </a:r>
+          </a:p>
+          <a:p>
+            <a:r>
+              <a:rPr lang="de-DE" sz="1100" dirty="0"/>
+              <a:t>Strom durch Arduino abdeckbar (10..15mA)</a:t>
+            </a:r>
+          </a:p>
+          <a:p>
+            <a:r>
+              <a:rPr lang="de-DE" sz="1100" dirty="0"/>
+              <a:t>Interne Schutzschaltung ausreichend – keine ext. Komponenten nötig</a:t>
+            </a:r>
+          </a:p>
+        </p:txBody>
+      </p:sp>
     </p:spTree>
     <p:extLst>
       <p:ext uri="{BB962C8B-B14F-4D97-AF65-F5344CB8AC3E}">
